--- a/triple matching design.pptx
+++ b/triple matching design.pptx
@@ -9,6 +9,7 @@
     <p:sldId id="258" r:id="rId3"/>
     <p:sldId id="260" r:id="rId4"/>
     <p:sldId id="257" r:id="rId5"/>
+    <p:sldId id="261" r:id="rId6"/>
   </p:sldIdLst>
   <p:sldSz cx="12192000" cy="6858000"/>
   <p:notesSz cx="6858000" cy="9144000"/>
@@ -3961,14 +3962,10 @@
                 </a:r>
                 <a:r>
                   <a:rPr lang="zh-CN" altLang="en-US" dirty="0"/>
-                  <a:t>（</a:t>
-                </a:r>
-                <a:r>
-                  <a:rPr lang="zh-CN" altLang="en-US"/>
-                  <a:t>已选出两个属性，寻找第三个</a:t>
-                </a:r>
-                <a:r>
-                  <a:rPr lang="en-US" altLang="zh-CN"/>
+                  <a:t>（已选出两个属性，寻找第三个</a:t>
+                </a:r>
+                <a:r>
+                  <a:rPr lang="en-US" altLang="zh-CN" dirty="0"/>
                   <a:t> </a:t>
                 </a:r>
                 <a:r>
@@ -4301,6 +4298,196 @@
     <p:extLst>
       <p:ext uri="{BB962C8B-B14F-4D97-AF65-F5344CB8AC3E}">
         <p14:creationId xmlns:p14="http://schemas.microsoft.com/office/powerpoint/2010/main" val="877025093"/>
+      </p:ext>
+    </p:extLst>
+  </p:cSld>
+  <p:clrMapOvr>
+    <a:masterClrMapping/>
+  </p:clrMapOvr>
+</p:sld>
+</file>
+
+<file path=ppt/slides/slide5.xml><?xml version="1.0" encoding="utf-8"?>
+<p:sld xmlns:a="http://schemas.openxmlformats.org/drawingml/2006/main" xmlns:r="http://schemas.openxmlformats.org/officeDocument/2006/relationships" xmlns:p="http://schemas.openxmlformats.org/presentationml/2006/main">
+  <p:cSld>
+    <p:spTree>
+      <p:nvGrpSpPr>
+        <p:cNvPr id="1" name=""/>
+        <p:cNvGrpSpPr/>
+        <p:nvPr/>
+      </p:nvGrpSpPr>
+      <p:grpSpPr>
+        <a:xfrm>
+          <a:off x="0" y="0"/>
+          <a:ext cx="0" cy="0"/>
+          <a:chOff x="0" y="0"/>
+          <a:chExt cx="0" cy="0"/>
+        </a:xfrm>
+      </p:grpSpPr>
+      <p:sp>
+        <p:nvSpPr>
+          <p:cNvPr id="2" name="标题 1">
+            <a:extLst>
+              <a:ext uri="{FF2B5EF4-FFF2-40B4-BE49-F238E27FC236}">
+                <a16:creationId xmlns:a16="http://schemas.microsoft.com/office/drawing/2014/main" id="{9CF144F7-8ACB-E64C-B399-4DE244A0EAB8}"/>
+              </a:ext>
+            </a:extLst>
+          </p:cNvPr>
+          <p:cNvSpPr>
+            <a:spLocks noGrp="1"/>
+          </p:cNvSpPr>
+          <p:nvPr>
+            <p:ph type="title"/>
+          </p:nvPr>
+        </p:nvSpPr>
+        <p:spPr/>
+        <p:txBody>
+          <a:bodyPr/>
+          <a:lstStyle/>
+          <a:p>
+            <a:r>
+              <a:rPr kumimoji="1" lang="zh-CN" altLang="en-US" dirty="0"/>
+              <a:t>方案三：神经网络（</a:t>
+            </a:r>
+            <a:r>
+              <a:rPr kumimoji="1" lang="en-US" altLang="zh-CN" dirty="0"/>
+              <a:t>2</a:t>
+            </a:r>
+            <a:r>
+              <a:rPr kumimoji="1" lang="zh-CN" altLang="en-US" dirty="0"/>
+              <a:t>）</a:t>
+            </a:r>
+          </a:p>
+        </p:txBody>
+      </p:sp>
+      <p:sp>
+        <p:nvSpPr>
+          <p:cNvPr id="3" name="内容占位符 2">
+            <a:extLst>
+              <a:ext uri="{FF2B5EF4-FFF2-40B4-BE49-F238E27FC236}">
+                <a16:creationId xmlns:a16="http://schemas.microsoft.com/office/drawing/2014/main" id="{1675B423-4A66-314F-A457-BE43F13ACBAC}"/>
+              </a:ext>
+            </a:extLst>
+          </p:cNvPr>
+          <p:cNvSpPr>
+            <a:spLocks noGrp="1"/>
+          </p:cNvSpPr>
+          <p:nvPr>
+            <p:ph idx="1"/>
+          </p:nvPr>
+        </p:nvSpPr>
+        <p:spPr/>
+        <p:txBody>
+          <a:bodyPr>
+            <a:normAutofit/>
+          </a:bodyPr>
+          <a:lstStyle/>
+          <a:p>
+            <a:pPr marL="0" indent="0">
+              <a:buNone/>
+            </a:pPr>
+            <a:r>
+              <a:rPr lang="zh-CN" altLang="en-US" dirty="0"/>
+              <a:t>使用</a:t>
+            </a:r>
+            <a:r>
+              <a:rPr lang="en-US" altLang="zh-CN" dirty="0"/>
+              <a:t>RNN</a:t>
+            </a:r>
+            <a:r>
+              <a:rPr lang="zh-CN" altLang="en-US" dirty="0"/>
+              <a:t>模型</a:t>
+            </a:r>
+            <a:endParaRPr lang="en-US" altLang="zh-CN" dirty="0"/>
+          </a:p>
+          <a:p>
+            <a:r>
+              <a:rPr lang="zh-CN" altLang="en-US" dirty="0"/>
+              <a:t>输入</a:t>
+            </a:r>
+            <a:r>
+              <a:rPr lang="en-US" altLang="zh-CN" dirty="0"/>
+              <a:t>:</a:t>
+            </a:r>
+            <a:r>
+              <a:rPr lang="zh-CN" altLang="en-US" dirty="0"/>
+              <a:t>向量序列</a:t>
+            </a:r>
+            <a:r>
+              <a:rPr lang="en-US" altLang="zh-CN" dirty="0"/>
+              <a:t>,</a:t>
+            </a:r>
+            <a:r>
+              <a:rPr lang="zh-CN" altLang="en-US" dirty="0"/>
+              <a:t>每一个词对应一个向量，采用独热编码</a:t>
+            </a:r>
+            <a:endParaRPr lang="en-US" altLang="zh-CN" dirty="0"/>
+          </a:p>
+          <a:p>
+            <a:r>
+              <a:rPr lang="zh-CN" altLang="en-US" dirty="0"/>
+              <a:t>全连接层学习每一个词的</a:t>
+            </a:r>
+            <a:r>
+              <a:rPr lang="en-US" altLang="zh-CN" dirty="0"/>
+              <a:t>embedding</a:t>
+            </a:r>
+          </a:p>
+          <a:p>
+            <a:r>
+              <a:rPr lang="en-US" altLang="zh-CN" dirty="0"/>
+              <a:t>RNN</a:t>
+            </a:r>
+            <a:r>
+              <a:rPr lang="zh-CN" altLang="en-US" dirty="0"/>
+              <a:t>层对全连接层输出的向量进一步处理，引入上下文信息</a:t>
+            </a:r>
+            <a:endParaRPr lang="en-US" altLang="zh-CN" dirty="0"/>
+          </a:p>
+          <a:p>
+            <a:r>
+              <a:rPr lang="zh-CN" altLang="en-US" dirty="0"/>
+              <a:t>枚举所有的</a:t>
+            </a:r>
+            <a:r>
+              <a:rPr lang="en-US" altLang="zh-CN" dirty="0"/>
+              <a:t>TAV</a:t>
+            </a:r>
+            <a:r>
+              <a:rPr lang="zh-CN" altLang="en-US" dirty="0"/>
+              <a:t>对，从</a:t>
+            </a:r>
+            <a:r>
+              <a:rPr lang="en-US" altLang="zh-CN" dirty="0"/>
+              <a:t>RNN</a:t>
+            </a:r>
+            <a:r>
+              <a:rPr lang="zh-CN" altLang="en-US" dirty="0"/>
+              <a:t>层中将其筛选出来，接入下一层网络进行训练，输出对于该三元组是否为一个合法的三元组的判断</a:t>
+            </a:r>
+            <a:endParaRPr lang="en-US" altLang="zh-CN" dirty="0"/>
+          </a:p>
+          <a:p>
+            <a:r>
+              <a:rPr lang="zh-CN" altLang="en-US" dirty="0"/>
+              <a:t>输出</a:t>
+            </a:r>
+            <a:r>
+              <a:rPr lang="en-US" altLang="zh-CN" dirty="0"/>
+              <a:t>:</a:t>
+            </a:r>
+            <a:r>
+              <a:rPr lang="zh-CN" altLang="en-US" dirty="0"/>
+              <a:t>对于每一个三元组输出其合法的概率</a:t>
+            </a:r>
+            <a:endParaRPr lang="en-US" altLang="zh-CN" dirty="0"/>
+          </a:p>
+        </p:txBody>
+      </p:sp>
+    </p:spTree>
+    <p:extLst>
+      <p:ext uri="{BB962C8B-B14F-4D97-AF65-F5344CB8AC3E}">
+        <p14:creationId xmlns:p14="http://schemas.microsoft.com/office/powerpoint/2010/main" val="958675851"/>
       </p:ext>
     </p:extLst>
   </p:cSld>
